--- a/slides.pptx
+++ b/slides.pptx
@@ -5,7 +5,7 @@
     <p:sldMasterId id="2147483840" r:id="rId1"/>
   </p:sldMasterIdLst>
   <p:notesMasterIdLst>
-    <p:notesMasterId r:id="rId18"/>
+    <p:notesMasterId r:id="rId20"/>
   </p:notesMasterIdLst>
   <p:sldIdLst>
     <p:sldId id="257" r:id="rId2"/>
@@ -19,11 +19,13 @@
     <p:sldId id="265" r:id="rId10"/>
     <p:sldId id="263" r:id="rId11"/>
     <p:sldId id="261" r:id="rId12"/>
-    <p:sldId id="262" r:id="rId13"/>
-    <p:sldId id="267" r:id="rId14"/>
-    <p:sldId id="272" r:id="rId15"/>
-    <p:sldId id="268" r:id="rId16"/>
-    <p:sldId id="271" r:id="rId17"/>
+    <p:sldId id="273" r:id="rId13"/>
+    <p:sldId id="274" r:id="rId14"/>
+    <p:sldId id="262" r:id="rId15"/>
+    <p:sldId id="267" r:id="rId16"/>
+    <p:sldId id="272" r:id="rId17"/>
+    <p:sldId id="268" r:id="rId18"/>
+    <p:sldId id="271" r:id="rId19"/>
   </p:sldIdLst>
   <p:sldSz cx="12192000" cy="6858000"/>
   <p:notesSz cx="6858000" cy="9144000"/>
@@ -122,6 +124,11 @@
       </a:defRPr>
     </a:lvl9pPr>
   </p:defaultTextStyle>
+  <p:extLst>
+    <p:ext uri="{EFAFB233-063F-42B5-8137-9DF3F51BA10A}">
+      <p15:sldGuideLst xmlns:p15="http://schemas.microsoft.com/office/powerpoint/2012/main"/>
+    </p:ext>
+  </p:extLst>
 </p:presentation>
 </file>
 
@@ -3662,7 +3669,7 @@
         <a:p>
           <a:r>
             <a:rPr lang="en-US" dirty="0"/>
-            <a:t>Handout from a helper</a:t>
+            <a:t>Get a handout from a helper</a:t>
           </a:r>
         </a:p>
       </dgm:t>
@@ -3896,7 +3903,7 @@
           </a:r>
           <a:r>
             <a:rPr lang="en-US" dirty="0"/>
-            <a:t>folder</a:t>
+            <a:t>folder (click name)</a:t>
           </a:r>
         </a:p>
       </dgm:t>
@@ -3965,21 +3972,24 @@
         <a:p>
           <a:r>
             <a:rPr lang="en-US" dirty="0"/>
-            <a:t>Double-click </a:t>
+            <a:t>Open </a:t>
+          </a:r>
+          <a:r>
+            <a:rPr lang="en-US" dirty="0" err="1">
+              <a:latin typeface="+mj-lt"/>
+            </a:rPr>
+            <a:t>gettingstarted.R</a:t>
           </a:r>
           <a:r>
             <a:rPr lang="en-US" dirty="0">
               <a:latin typeface="+mj-lt"/>
             </a:rPr>
-            <a:t>r-first-</a:t>
+            <a:t> </a:t>
           </a:r>
           <a:r>
-            <a:rPr lang="en-US" dirty="0" err="1">
-              <a:latin typeface="+mj-lt"/>
-            </a:rPr>
-            <a:t>steps.Rproj</a:t>
+            <a:rPr lang="en-US" dirty="0"/>
+            <a:t>(click name)</a:t>
           </a:r>
-          <a:endParaRPr lang="en-US" dirty="0"/>
         </a:p>
       </dgm:t>
     </dgm:pt>
@@ -5438,7 +5448,7 @@
           </a:pPr>
           <a:r>
             <a:rPr lang="en-US" sz="2400" kern="1200" dirty="0"/>
-            <a:t>Handout from a helper</a:t>
+            <a:t>Get a handout from a helper</a:t>
           </a:r>
         </a:p>
       </dsp:txBody>
@@ -5867,7 +5877,7 @@
           </a:r>
           <a:r>
             <a:rPr lang="en-US" sz="2400" kern="1200" dirty="0"/>
-            <a:t>folder</a:t>
+            <a:t>folder (click name)</a:t>
           </a:r>
         </a:p>
       </dsp:txBody>
@@ -6001,21 +6011,24 @@
           </a:pPr>
           <a:r>
             <a:rPr lang="en-US" sz="2400" kern="1200" dirty="0"/>
-            <a:t>Double-click </a:t>
+            <a:t>Open </a:t>
+          </a:r>
+          <a:r>
+            <a:rPr lang="en-US" sz="2400" kern="1200" dirty="0" err="1">
+              <a:latin typeface="+mj-lt"/>
+            </a:rPr>
+            <a:t>gettingstarted.R</a:t>
           </a:r>
           <a:r>
             <a:rPr lang="en-US" sz="2400" kern="1200" dirty="0">
               <a:latin typeface="+mj-lt"/>
             </a:rPr>
-            <a:t>r-first-</a:t>
+            <a:t> </a:t>
           </a:r>
           <a:r>
-            <a:rPr lang="en-US" sz="2400" kern="1200" dirty="0" err="1">
-              <a:latin typeface="+mj-lt"/>
-            </a:rPr>
-            <a:t>steps.Rproj</a:t>
+            <a:rPr lang="en-US" sz="2400" kern="1200" dirty="0"/>
+            <a:t>(click name)</a:t>
           </a:r>
-          <a:endParaRPr lang="en-US" sz="2400" kern="1200" dirty="0"/>
         </a:p>
       </dsp:txBody>
       <dsp:txXfrm>
@@ -13031,7 +13044,7 @@
           <a:p>
             <a:fld id="{7EADD42D-9BA7-3D48-9122-E45224CD84D5}" type="datetimeFigureOut">
               <a:rPr lang="en-US" smtClean="0"/>
-              <a:t>1/31/20</a:t>
+              <a:t>2/3/20</a:t>
             </a:fld>
             <a:endParaRPr lang="en-US"/>
           </a:p>
@@ -17017,7 +17030,7 @@
             <p:ph idx="1"/>
             <p:extLst>
               <p:ext uri="{D42A27DB-BD31-4B8C-83A1-F6EECF244321}">
-                <p14:modId xmlns:p14="http://schemas.microsoft.com/office/powerpoint/2010/main" val="63568978"/>
+                <p14:modId xmlns:p14="http://schemas.microsoft.com/office/powerpoint/2010/main" val="2476079683"/>
               </p:ext>
             </p:extLst>
           </p:nvPr>
@@ -17593,6 +17606,404 @@
           <p:cNvPr id="2" name="Date Placeholder 1">
             <a:extLst>
               <a:ext uri="{FF2B5EF4-FFF2-40B4-BE49-F238E27FC236}">
+                <a16:creationId xmlns:a16="http://schemas.microsoft.com/office/drawing/2014/main" id="{01CF6BDD-1F69-0141-AD20-C8F2D88FAC45}"/>
+              </a:ext>
+            </a:extLst>
+          </p:cNvPr>
+          <p:cNvSpPr>
+            <a:spLocks noGrp="1"/>
+          </p:cNvSpPr>
+          <p:nvPr>
+            <p:ph type="dt" sz="half" idx="10"/>
+          </p:nvPr>
+        </p:nvSpPr>
+        <p:spPr/>
+        <p:txBody>
+          <a:bodyPr/>
+          <a:lstStyle/>
+          <a:p>
+            <a:r>
+              <a:rPr lang="en-US"/>
+              <a:t>https://github.com/nuitrcs/r-first-steps</a:t>
+            </a:r>
+            <a:endParaRPr lang="en-US" dirty="0"/>
+          </a:p>
+        </p:txBody>
+      </p:sp>
+      <p:sp>
+        <p:nvSpPr>
+          <p:cNvPr id="3" name="Title 1">
+            <a:extLst>
+              <a:ext uri="{FF2B5EF4-FFF2-40B4-BE49-F238E27FC236}">
+                <a16:creationId xmlns:a16="http://schemas.microsoft.com/office/drawing/2014/main" id="{8E314ED1-2E76-2748-8026-049C837201DC}"/>
+              </a:ext>
+            </a:extLst>
+          </p:cNvPr>
+          <p:cNvSpPr txBox="1">
+            <a:spLocks/>
+          </p:cNvSpPr>
+          <p:nvPr/>
+        </p:nvSpPr>
+        <p:spPr>
+          <a:xfrm>
+            <a:off x="1517703" y="1712686"/>
+            <a:ext cx="9156593" cy="2803895"/>
+          </a:xfrm>
+          <a:prstGeom prst="rect">
+            <a:avLst/>
+          </a:prstGeom>
+        </p:spPr>
+        <p:txBody>
+          <a:bodyPr>
+            <a:noAutofit/>
+          </a:bodyPr>
+          <a:lstStyle>
+            <a:lvl1pPr algn="l" defTabSz="914400" rtl="0" eaLnBrk="1" latinLnBrk="0" hangingPunct="1">
+              <a:lnSpc>
+                <a:spcPct val="90000"/>
+              </a:lnSpc>
+              <a:spcBef>
+                <a:spcPct val="0"/>
+              </a:spcBef>
+              <a:buNone/>
+              <a:defRPr sz="3600" kern="1200" spc="-60" baseline="0">
+                <a:solidFill>
+                  <a:srgbClr val="FFFFFF"/>
+                </a:solidFill>
+                <a:latin typeface="+mj-lt"/>
+                <a:ea typeface="+mj-ea"/>
+                <a:cs typeface="+mj-cs"/>
+              </a:defRPr>
+            </a:lvl1pPr>
+          </a:lstStyle>
+          <a:p>
+            <a:pPr algn="ctr"/>
+            <a:r>
+              <a:rPr lang="en-US" sz="6000" dirty="0">
+                <a:solidFill>
+                  <a:schemeClr val="tx1">
+                    <a:lumMod val="85000"/>
+                    <a:lumOff val="15000"/>
+                  </a:schemeClr>
+                </a:solidFill>
+              </a:rPr>
+              <a:t>x &lt;- 3</a:t>
+            </a:r>
+          </a:p>
+          <a:p>
+            <a:pPr algn="ctr"/>
+            <a:r>
+              <a:rPr lang="en-US" sz="6000" dirty="0">
+                <a:solidFill>
+                  <a:schemeClr val="tx1">
+                    <a:lumMod val="85000"/>
+                    <a:lumOff val="15000"/>
+                  </a:schemeClr>
+                </a:solidFill>
+              </a:rPr>
+              <a:t>x + 2</a:t>
+            </a:r>
+          </a:p>
+        </p:txBody>
+      </p:sp>
+      <p:sp>
+        <p:nvSpPr>
+          <p:cNvPr id="4" name="Rectangle 3">
+            <a:extLst>
+              <a:ext uri="{FF2B5EF4-FFF2-40B4-BE49-F238E27FC236}">
+                <a16:creationId xmlns:a16="http://schemas.microsoft.com/office/drawing/2014/main" id="{D8D81A79-6C3B-E643-9498-9C4BFE34FE92}"/>
+              </a:ext>
+            </a:extLst>
+          </p:cNvPr>
+          <p:cNvSpPr/>
+          <p:nvPr/>
+        </p:nvSpPr>
+        <p:spPr>
+          <a:xfrm>
+            <a:off x="5962790" y="3244334"/>
+            <a:ext cx="266420" cy="369332"/>
+          </a:xfrm>
+          <a:prstGeom prst="rect">
+            <a:avLst/>
+          </a:prstGeom>
+        </p:spPr>
+        <p:txBody>
+          <a:bodyPr wrap="none">
+            <a:spAutoFit/>
+          </a:bodyPr>
+          <a:lstStyle/>
+          <a:p>
+            <a:r>
+              <a:rPr lang="en-US" dirty="0"/>
+              <a:t> </a:t>
+            </a:r>
+          </a:p>
+        </p:txBody>
+      </p:sp>
+    </p:spTree>
+    <p:extLst>
+      <p:ext uri="{BB962C8B-B14F-4D97-AF65-F5344CB8AC3E}">
+        <p14:creationId xmlns:p14="http://schemas.microsoft.com/office/powerpoint/2010/main" val="2045902627"/>
+      </p:ext>
+    </p:extLst>
+  </p:cSld>
+  <p:clrMapOvr>
+    <a:masterClrMapping/>
+  </p:clrMapOvr>
+</p:sld>
+</file>
+
+<file path=ppt/slides/slide13.xml><?xml version="1.0" encoding="utf-8"?>
+<p:sld xmlns:a="http://schemas.openxmlformats.org/drawingml/2006/main" xmlns:r="http://schemas.openxmlformats.org/officeDocument/2006/relationships" xmlns:p="http://schemas.openxmlformats.org/presentationml/2006/main">
+  <p:cSld>
+    <p:spTree>
+      <p:nvGrpSpPr>
+        <p:cNvPr id="1" name=""/>
+        <p:cNvGrpSpPr/>
+        <p:nvPr/>
+      </p:nvGrpSpPr>
+      <p:grpSpPr>
+        <a:xfrm>
+          <a:off x="0" y="0"/>
+          <a:ext cx="0" cy="0"/>
+          <a:chOff x="0" y="0"/>
+          <a:chExt cx="0" cy="0"/>
+        </a:xfrm>
+      </p:grpSpPr>
+      <p:sp>
+        <p:nvSpPr>
+          <p:cNvPr id="2" name="Date Placeholder 1">
+            <a:extLst>
+              <a:ext uri="{FF2B5EF4-FFF2-40B4-BE49-F238E27FC236}">
+                <a16:creationId xmlns:a16="http://schemas.microsoft.com/office/drawing/2014/main" id="{01CF6BDD-1F69-0141-AD20-C8F2D88FAC45}"/>
+              </a:ext>
+            </a:extLst>
+          </p:cNvPr>
+          <p:cNvSpPr>
+            <a:spLocks noGrp="1"/>
+          </p:cNvSpPr>
+          <p:nvPr>
+            <p:ph type="dt" sz="half" idx="10"/>
+          </p:nvPr>
+        </p:nvSpPr>
+        <p:spPr/>
+        <p:txBody>
+          <a:bodyPr/>
+          <a:lstStyle/>
+          <a:p>
+            <a:r>
+              <a:rPr lang="en-US"/>
+              <a:t>https://github.com/nuitrcs/r-first-steps</a:t>
+            </a:r>
+            <a:endParaRPr lang="en-US" dirty="0"/>
+          </a:p>
+        </p:txBody>
+      </p:sp>
+      <p:sp>
+        <p:nvSpPr>
+          <p:cNvPr id="3" name="Title 1">
+            <a:extLst>
+              <a:ext uri="{FF2B5EF4-FFF2-40B4-BE49-F238E27FC236}">
+                <a16:creationId xmlns:a16="http://schemas.microsoft.com/office/drawing/2014/main" id="{8E314ED1-2E76-2748-8026-049C837201DC}"/>
+              </a:ext>
+            </a:extLst>
+          </p:cNvPr>
+          <p:cNvSpPr txBox="1">
+            <a:spLocks/>
+          </p:cNvSpPr>
+          <p:nvPr/>
+        </p:nvSpPr>
+        <p:spPr>
+          <a:xfrm>
+            <a:off x="1517703" y="1712686"/>
+            <a:ext cx="9156593" cy="2803895"/>
+          </a:xfrm>
+          <a:prstGeom prst="rect">
+            <a:avLst/>
+          </a:prstGeom>
+        </p:spPr>
+        <p:txBody>
+          <a:bodyPr>
+            <a:noAutofit/>
+          </a:bodyPr>
+          <a:lstStyle>
+            <a:lvl1pPr algn="l" defTabSz="914400" rtl="0" eaLnBrk="1" latinLnBrk="0" hangingPunct="1">
+              <a:lnSpc>
+                <a:spcPct val="90000"/>
+              </a:lnSpc>
+              <a:spcBef>
+                <a:spcPct val="0"/>
+              </a:spcBef>
+              <a:buNone/>
+              <a:defRPr sz="3600" kern="1200" spc="-60" baseline="0">
+                <a:solidFill>
+                  <a:srgbClr val="FFFFFF"/>
+                </a:solidFill>
+                <a:latin typeface="+mj-lt"/>
+                <a:ea typeface="+mj-ea"/>
+                <a:cs typeface="+mj-cs"/>
+              </a:defRPr>
+            </a:lvl1pPr>
+          </a:lstStyle>
+          <a:p>
+            <a:pPr algn="ctr"/>
+            <a:r>
+              <a:rPr lang="en-US" sz="6000" dirty="0">
+                <a:solidFill>
+                  <a:schemeClr val="tx1">
+                    <a:lumMod val="85000"/>
+                    <a:lumOff val="15000"/>
+                  </a:schemeClr>
+                </a:solidFill>
+              </a:rPr>
+              <a:t>x &lt;- 3</a:t>
+            </a:r>
+          </a:p>
+          <a:p>
+            <a:pPr algn="ctr"/>
+            <a:r>
+              <a:rPr lang="en-US" sz="6000" dirty="0">
+                <a:solidFill>
+                  <a:schemeClr val="tx1">
+                    <a:lumMod val="85000"/>
+                    <a:lumOff val="15000"/>
+                  </a:schemeClr>
+                </a:solidFill>
+              </a:rPr>
+              <a:t>x + 2</a:t>
+            </a:r>
+          </a:p>
+        </p:txBody>
+      </p:sp>
+      <p:sp>
+        <p:nvSpPr>
+          <p:cNvPr id="4" name="Rectangle 3">
+            <a:extLst>
+              <a:ext uri="{FF2B5EF4-FFF2-40B4-BE49-F238E27FC236}">
+                <a16:creationId xmlns:a16="http://schemas.microsoft.com/office/drawing/2014/main" id="{D8D81A79-6C3B-E643-9498-9C4BFE34FE92}"/>
+              </a:ext>
+            </a:extLst>
+          </p:cNvPr>
+          <p:cNvSpPr/>
+          <p:nvPr/>
+        </p:nvSpPr>
+        <p:spPr>
+          <a:xfrm>
+            <a:off x="5962790" y="3244334"/>
+            <a:ext cx="266420" cy="369332"/>
+          </a:xfrm>
+          <a:prstGeom prst="rect">
+            <a:avLst/>
+          </a:prstGeom>
+        </p:spPr>
+        <p:txBody>
+          <a:bodyPr wrap="none">
+            <a:spAutoFit/>
+          </a:bodyPr>
+          <a:lstStyle/>
+          <a:p>
+            <a:r>
+              <a:rPr lang="en-US" dirty="0"/>
+              <a:t> </a:t>
+            </a:r>
+          </a:p>
+        </p:txBody>
+      </p:sp>
+      <p:sp>
+        <p:nvSpPr>
+          <p:cNvPr id="5" name="Title 1">
+            <a:extLst>
+              <a:ext uri="{FF2B5EF4-FFF2-40B4-BE49-F238E27FC236}">
+                <a16:creationId xmlns:a16="http://schemas.microsoft.com/office/drawing/2014/main" id="{0CDB25BC-7467-B84F-BBC0-14B7D3C75252}"/>
+              </a:ext>
+            </a:extLst>
+          </p:cNvPr>
+          <p:cNvSpPr txBox="1">
+            <a:spLocks/>
+          </p:cNvSpPr>
+          <p:nvPr/>
+        </p:nvSpPr>
+        <p:spPr>
+          <a:xfrm>
+            <a:off x="5664679" y="3631200"/>
+            <a:ext cx="1419027" cy="1514114"/>
+          </a:xfrm>
+          <a:prstGeom prst="rect">
+            <a:avLst/>
+          </a:prstGeom>
+        </p:spPr>
+        <p:txBody>
+          <a:bodyPr>
+            <a:noAutofit/>
+          </a:bodyPr>
+          <a:lstStyle>
+            <a:lvl1pPr algn="l" defTabSz="914400" rtl="0" eaLnBrk="1" latinLnBrk="0" hangingPunct="1">
+              <a:lnSpc>
+                <a:spcPct val="90000"/>
+              </a:lnSpc>
+              <a:spcBef>
+                <a:spcPct val="0"/>
+              </a:spcBef>
+              <a:buNone/>
+              <a:defRPr sz="3600" kern="1200" spc="-60" baseline="0">
+                <a:solidFill>
+                  <a:srgbClr val="FFFFFF"/>
+                </a:solidFill>
+                <a:latin typeface="+mj-lt"/>
+                <a:ea typeface="+mj-ea"/>
+                <a:cs typeface="+mj-cs"/>
+              </a:defRPr>
+            </a:lvl1pPr>
+          </a:lstStyle>
+          <a:p>
+            <a:r>
+              <a:rPr lang="en-US" sz="12000" dirty="0">
+                <a:solidFill>
+                  <a:schemeClr val="accent1">
+                    <a:lumMod val="75000"/>
+                  </a:schemeClr>
+                </a:solidFill>
+              </a:rPr>
+              <a:t>5</a:t>
+            </a:r>
+          </a:p>
+        </p:txBody>
+      </p:sp>
+    </p:spTree>
+    <p:extLst>
+      <p:ext uri="{BB962C8B-B14F-4D97-AF65-F5344CB8AC3E}">
+        <p14:creationId xmlns:p14="http://schemas.microsoft.com/office/powerpoint/2010/main" val="910435784"/>
+      </p:ext>
+    </p:extLst>
+  </p:cSld>
+  <p:clrMapOvr>
+    <a:masterClrMapping/>
+  </p:clrMapOvr>
+</p:sld>
+</file>
+
+<file path=ppt/slides/slide14.xml><?xml version="1.0" encoding="utf-8"?>
+<p:sld xmlns:a="http://schemas.openxmlformats.org/drawingml/2006/main" xmlns:r="http://schemas.openxmlformats.org/officeDocument/2006/relationships" xmlns:p="http://schemas.openxmlformats.org/presentationml/2006/main">
+  <p:cSld>
+    <p:spTree>
+      <p:nvGrpSpPr>
+        <p:cNvPr id="1" name=""/>
+        <p:cNvGrpSpPr/>
+        <p:nvPr/>
+      </p:nvGrpSpPr>
+      <p:grpSpPr>
+        <a:xfrm>
+          <a:off x="0" y="0"/>
+          <a:ext cx="0" cy="0"/>
+          <a:chOff x="0" y="0"/>
+          <a:chExt cx="0" cy="0"/>
+        </a:xfrm>
+      </p:grpSpPr>
+      <p:sp>
+        <p:nvSpPr>
+          <p:cNvPr id="2" name="Date Placeholder 1">
+            <a:extLst>
+              <a:ext uri="{FF2B5EF4-FFF2-40B4-BE49-F238E27FC236}">
                 <a16:creationId xmlns:a16="http://schemas.microsoft.com/office/drawing/2014/main" id="{EF4B18BB-0A46-3440-A6C5-6669E796BEE3}"/>
               </a:ext>
             </a:extLst>
@@ -17750,7 +18161,7 @@
 </p:sld>
 </file>
 
-<file path=ppt/slides/slide13.xml><?xml version="1.0" encoding="utf-8"?>
+<file path=ppt/slides/slide15.xml><?xml version="1.0" encoding="utf-8"?>
 <p:sld xmlns:a="http://schemas.openxmlformats.org/drawingml/2006/main" xmlns:r="http://schemas.openxmlformats.org/officeDocument/2006/relationships" xmlns:p="http://schemas.openxmlformats.org/presentationml/2006/main">
   <p:cSld>
     <p:spTree>
@@ -17976,7 +18387,7 @@
 </p:sld>
 </file>
 
-<file path=ppt/slides/slide14.xml><?xml version="1.0" encoding="utf-8"?>
+<file path=ppt/slides/slide16.xml><?xml version="1.0" encoding="utf-8"?>
 <p:sld xmlns:a="http://schemas.openxmlformats.org/drawingml/2006/main" xmlns:r="http://schemas.openxmlformats.org/officeDocument/2006/relationships" xmlns:p="http://schemas.openxmlformats.org/presentationml/2006/main">
   <p:cSld>
     <p:spTree>
@@ -18315,7 +18726,7 @@
 </p:sld>
 </file>
 
-<file path=ppt/slides/slide15.xml><?xml version="1.0" encoding="utf-8"?>
+<file path=ppt/slides/slide17.xml><?xml version="1.0" encoding="utf-8"?>
 <p:sld xmlns:a="http://schemas.openxmlformats.org/drawingml/2006/main" xmlns:r="http://schemas.openxmlformats.org/officeDocument/2006/relationships" xmlns:p="http://schemas.openxmlformats.org/presentationml/2006/main">
   <p:cSld>
     <p:spTree>
@@ -18692,7 +19103,7 @@
 </p:sld>
 </file>
 
-<file path=ppt/slides/slide16.xml><?xml version="1.0" encoding="utf-8"?>
+<file path=ppt/slides/slide18.xml><?xml version="1.0" encoding="utf-8"?>
 <p:sld xmlns:a="http://schemas.openxmlformats.org/drawingml/2006/main" xmlns:r="http://schemas.openxmlformats.org/officeDocument/2006/relationships" xmlns:p="http://schemas.openxmlformats.org/presentationml/2006/main">
   <p:cSld>
     <p:bg>
@@ -19563,7 +19974,7 @@
             </a:pPr>
             <a:r>
               <a:rPr lang="en-US" dirty="0"/>
-              <a:t>Have a question involving research and a computer?  Feel free to ask us!</a:t>
+              <a:t>Have a question involving research and a computer?  Ask us!</a:t>
             </a:r>
           </a:p>
           <a:p>
@@ -19916,7 +20327,7 @@
         <p:spPr>
           <a:xfrm>
             <a:off x="1516351" y="772833"/>
-            <a:ext cx="6597678" cy="3840384"/>
+            <a:ext cx="6597678" cy="3086169"/>
           </a:xfrm>
         </p:spPr>
         <p:txBody>
@@ -19926,7 +20337,7 @@
           <a:lstStyle/>
           <a:p>
             <a:r>
-              <a:rPr lang="en-US" sz="6000">
+              <a:rPr lang="en-US" sz="6000" dirty="0">
                 <a:solidFill>
                   <a:schemeClr val="tx1"/>
                 </a:solidFill>
@@ -19954,8 +20365,8 @@
         </p:nvSpPr>
         <p:spPr>
           <a:xfrm>
-            <a:off x="1524009" y="4613218"/>
-            <a:ext cx="6590020" cy="1490566"/>
+            <a:off x="1524009" y="3859002"/>
+            <a:ext cx="6590020" cy="2244782"/>
           </a:xfrm>
         </p:spPr>
         <p:txBody>
@@ -19964,11 +20375,34 @@
           </a:bodyPr>
           <a:lstStyle/>
           <a:p>
-            <a:endParaRPr lang="en-US" sz="3200">
-              <a:solidFill>
-                <a:schemeClr val="accent1"/>
-              </a:solidFill>
-            </a:endParaRPr>
+            <a:r>
+              <a:rPr lang="en-US" sz="3200" dirty="0">
+                <a:solidFill>
+                  <a:schemeClr val="accent1"/>
+                </a:solidFill>
+              </a:rPr>
+              <a:t>Dan</a:t>
+            </a:r>
+          </a:p>
+          <a:p>
+            <a:r>
+              <a:rPr lang="en-US" sz="3200" dirty="0">
+                <a:solidFill>
+                  <a:schemeClr val="accent1"/>
+                </a:solidFill>
+              </a:rPr>
+              <a:t>Meg</a:t>
+            </a:r>
+          </a:p>
+          <a:p>
+            <a:r>
+              <a:rPr lang="en-US" sz="3200" dirty="0">
+                <a:solidFill>
+                  <a:schemeClr val="accent1"/>
+                </a:solidFill>
+              </a:rPr>
+              <a:t>Austin</a:t>
+            </a:r>
           </a:p>
         </p:txBody>
       </p:sp>
